--- a/final/final_presentation.pptx
+++ b/final/final_presentation.pptx
@@ -214,7 +214,7 @@
           <a:p>
             <a:fld id="{FEB5EB65-630E-DE4F-A56A-19134C48E4BF}" type="datetimeFigureOut">
               <a:rPr lang="de-DE" smtClean="0"/>
-              <a:t>19.07.12</a:t>
+              <a:t>20.07.2012</a:t>
             </a:fld>
             <a:endParaRPr lang="de-DE"/>
           </a:p>
@@ -380,7 +380,7 @@
           <a:p>
             <a:fld id="{535039C5-F2E3-B841-A9A0-DB539CB010D7}" type="datetimeFigureOut">
               <a:rPr lang="de-DE" smtClean="0"/>
-              <a:t>19.07.12</a:t>
+              <a:t>20.07.2012</a:t>
             </a:fld>
             <a:endParaRPr lang="de-DE"/>
           </a:p>
@@ -830,7 +830,7 @@
           <a:p>
             <a:fld id="{FC09CC3B-E9F6-CD43-843B-DAE06A8A7FFA}" type="datetime1">
               <a:rPr lang="de-CH" smtClean="0"/>
-              <a:t>19.07.12</a:t>
+              <a:t>20.07.2012</a:t>
             </a:fld>
             <a:endParaRPr lang="de-DE"/>
           </a:p>
@@ -895,7 +895,7 @@
   <p:timing>
     <p:tnLst>
       <p:par>
-        <p:cTn xmlns:p14="http://schemas.microsoft.com/office/powerpoint/2010/main" id="1" dur="indefinite" restart="never" nodeType="tmRoot"/>
+        <p:cTn id="1" dur="indefinite" restart="never" nodeType="tmRoot"/>
       </p:par>
     </p:tnLst>
   </p:timing>
@@ -1011,7 +1011,7 @@
           <a:p>
             <a:fld id="{DB1F5688-8105-934F-BB35-723F289A506A}" type="datetime1">
               <a:rPr lang="de-CH" smtClean="0"/>
-              <a:t>19.07.12</a:t>
+              <a:t>20.07.2012</a:t>
             </a:fld>
             <a:endParaRPr lang="de-DE"/>
           </a:p>
@@ -1195,7 +1195,7 @@
           <a:p>
             <a:fld id="{EA0AF9C8-0795-4D4B-9301-F9257939622F}" type="datetime1">
               <a:rPr lang="de-CH" smtClean="0"/>
-              <a:t>19.07.12</a:t>
+              <a:t>20.07.2012</a:t>
             </a:fld>
             <a:endParaRPr lang="de-DE"/>
           </a:p>
@@ -1369,7 +1369,7 @@
           <a:p>
             <a:fld id="{048220EE-0B5D-1D4F-A698-CD85F79D8F31}" type="datetime1">
               <a:rPr lang="de-CH" smtClean="0"/>
-              <a:t>19.07.12</a:t>
+              <a:t>20.07.2012</a:t>
             </a:fld>
             <a:endParaRPr lang="de-DE"/>
           </a:p>
@@ -1434,7 +1434,7 @@
   <p:timing>
     <p:tnLst>
       <p:par>
-        <p:cTn xmlns:p14="http://schemas.microsoft.com/office/powerpoint/2010/main" id="1" dur="indefinite" restart="never" nodeType="tmRoot"/>
+        <p:cTn id="1" dur="indefinite" restart="never" nodeType="tmRoot"/>
       </p:par>
     </p:tnLst>
   </p:timing>
@@ -1626,7 +1626,7 @@
           <a:p>
             <a:fld id="{8C7D457A-34BB-8243-976B-535FD9F04556}" type="datetime1">
               <a:rPr lang="de-CH" smtClean="0"/>
-              <a:t>19.07.12</a:t>
+              <a:t>20.07.2012</a:t>
             </a:fld>
             <a:endParaRPr lang="de-DE"/>
           </a:p>
@@ -1918,7 +1918,7 @@
           <a:p>
             <a:fld id="{FC9DBC5E-5381-134F-9C1B-CB3E38A6ACCA}" type="datetime1">
               <a:rPr lang="de-CH" smtClean="0"/>
-              <a:t>19.07.12</a:t>
+              <a:t>20.07.2012</a:t>
             </a:fld>
             <a:endParaRPr lang="de-DE"/>
           </a:p>
@@ -2344,7 +2344,7 @@
           <a:p>
             <a:fld id="{E911701E-4495-1442-BAFB-7C53D9767A24}" type="datetime1">
               <a:rPr lang="de-CH" smtClean="0"/>
-              <a:t>19.07.12</a:t>
+              <a:t>20.07.2012</a:t>
             </a:fld>
             <a:endParaRPr lang="de-DE"/>
           </a:p>
@@ -2466,7 +2466,7 @@
           <a:p>
             <a:fld id="{9F5C0D27-F962-7D4D-B1D0-76FAE2D57647}" type="datetime1">
               <a:rPr lang="de-CH" smtClean="0"/>
-              <a:t>19.07.12</a:t>
+              <a:t>20.07.2012</a:t>
             </a:fld>
             <a:endParaRPr lang="de-DE"/>
           </a:p>
@@ -2565,7 +2565,7 @@
           <a:p>
             <a:fld id="{2448347B-1B46-0A40-8A31-4D0C124E63A6}" type="datetime1">
               <a:rPr lang="de-CH" smtClean="0"/>
-              <a:t>19.07.12</a:t>
+              <a:t>20.07.2012</a:t>
             </a:fld>
             <a:endParaRPr lang="de-DE"/>
           </a:p>
@@ -2846,7 +2846,7 @@
           <a:p>
             <a:fld id="{99119D3D-B08C-484C-A5A9-80B2691066C1}" type="datetime1">
               <a:rPr lang="de-CH" smtClean="0"/>
-              <a:t>19.07.12</a:t>
+              <a:t>20.07.2012</a:t>
             </a:fld>
             <a:endParaRPr lang="de-DE"/>
           </a:p>
@@ -3103,7 +3103,7 @@
           <a:p>
             <a:fld id="{0465CFF8-8FC9-B042-843C-51D1C014C62B}" type="datetime1">
               <a:rPr lang="de-CH" smtClean="0"/>
-              <a:t>19.07.12</a:t>
+              <a:t>20.07.2012</a:t>
             </a:fld>
             <a:endParaRPr lang="de-DE"/>
           </a:p>
@@ -3320,7 +3320,7 @@
           <a:p>
             <a:fld id="{B794B774-990C-284C-B96F-4E2140B11A04}" type="datetime1">
               <a:rPr lang="de-CH" smtClean="0"/>
-              <a:t>19.07.12</a:t>
+              <a:t>20.07.2012</a:t>
             </a:fld>
             <a:endParaRPr lang="de-DE" dirty="0"/>
           </a:p>
@@ -3492,7 +3492,7 @@
   <p:timing>
     <p:tnLst>
       <p:par>
-        <p:cTn xmlns:p14="http://schemas.microsoft.com/office/powerpoint/2010/main" id="1" dur="indefinite" restart="never" nodeType="tmRoot"/>
+        <p:cTn id="1" dur="indefinite" restart="never" nodeType="tmRoot"/>
       </p:par>
     </p:tnLst>
   </p:timing>
@@ -3860,7 +3860,7 @@
           <a:p>
             <a:fld id="{7B44B0AB-0BF1-DB40-AE6A-DDF1BEEC4673}" type="datetime1">
               <a:rPr lang="de-CH" smtClean="0"/>
-              <a:t>19.07.12</a:t>
+              <a:t>20.07.2012</a:t>
             </a:fld>
             <a:endParaRPr lang="de-DE"/>
           </a:p>
@@ -3955,7 +3955,7 @@
   <p:timing>
     <p:tnLst>
       <p:par>
-        <p:cTn xmlns:p14="http://schemas.microsoft.com/office/powerpoint/2010/main" id="1" dur="indefinite" restart="never" nodeType="tmRoot"/>
+        <p:cTn id="1" dur="indefinite" restart="never" nodeType="tmRoot"/>
       </p:par>
     </p:tnLst>
   </p:timing>
@@ -4023,7 +4023,7 @@
           <a:p>
             <a:fld id="{048220EE-0B5D-1D4F-A698-CD85F79D8F31}" type="datetime1">
               <a:rPr lang="de-CH" smtClean="0"/>
-              <a:t>20.07.12</a:t>
+              <a:t>20.07.2012</a:t>
             </a:fld>
             <a:endParaRPr lang="de-DE"/>
           </a:p>
@@ -4118,7 +4118,7 @@
   <p:timing>
     <p:tnLst>
       <p:par>
-        <p:cTn xmlns:p14="http://schemas.microsoft.com/office/powerpoint/2010/main" id="1" dur="indefinite" restart="never" nodeType="tmRoot"/>
+        <p:cTn id="1" dur="indefinite" restart="never" nodeType="tmRoot"/>
       </p:par>
     </p:tnLst>
   </p:timing>
@@ -4186,7 +4186,7 @@
           <a:p>
             <a:fld id="{048220EE-0B5D-1D4F-A698-CD85F79D8F31}" type="datetime1">
               <a:rPr lang="de-CH" smtClean="0"/>
-              <a:t>20.07.12</a:t>
+              <a:t>20.07.2012</a:t>
             </a:fld>
             <a:endParaRPr lang="de-DE"/>
           </a:p>
@@ -4276,7 +4276,7 @@
   <p:timing>
     <p:tnLst>
       <p:par>
-        <p:cTn xmlns:p14="http://schemas.microsoft.com/office/powerpoint/2010/main" id="1" dur="indefinite" restart="never" nodeType="tmRoot"/>
+        <p:cTn id="1" dur="indefinite" restart="never" nodeType="tmRoot"/>
       </p:par>
     </p:tnLst>
   </p:timing>
@@ -4344,7 +4344,7 @@
           <a:p>
             <a:fld id="{048220EE-0B5D-1D4F-A698-CD85F79D8F31}" type="datetime1">
               <a:rPr lang="de-CH" smtClean="0"/>
-              <a:t>20.07.12</a:t>
+              <a:t>20.07.2012</a:t>
             </a:fld>
             <a:endParaRPr lang="de-DE"/>
           </a:p>
@@ -4439,7 +4439,7 @@
   <p:timing>
     <p:tnLst>
       <p:par>
-        <p:cTn xmlns:p14="http://schemas.microsoft.com/office/powerpoint/2010/main" id="1" dur="indefinite" restart="never" nodeType="tmRoot"/>
+        <p:cTn id="1" dur="indefinite" restart="never" nodeType="tmRoot"/>
       </p:par>
     </p:tnLst>
   </p:timing>
@@ -4507,7 +4507,7 @@
           <a:p>
             <a:fld id="{048220EE-0B5D-1D4F-A698-CD85F79D8F31}" type="datetime1">
               <a:rPr lang="de-CH" smtClean="0"/>
-              <a:t>20.07.12</a:t>
+              <a:t>20.07.2012</a:t>
             </a:fld>
             <a:endParaRPr lang="de-DE"/>
           </a:p>
@@ -4597,7 +4597,7 @@
   <p:timing>
     <p:tnLst>
       <p:par>
-        <p:cTn xmlns:p14="http://schemas.microsoft.com/office/powerpoint/2010/main" id="1" dur="indefinite" restart="never" nodeType="tmRoot"/>
+        <p:cTn id="1" dur="indefinite" restart="never" nodeType="tmRoot"/>
       </p:par>
     </p:tnLst>
   </p:timing>
@@ -4665,7 +4665,7 @@
           <a:p>
             <a:fld id="{048220EE-0B5D-1D4F-A698-CD85F79D8F31}" type="datetime1">
               <a:rPr lang="de-CH" smtClean="0"/>
-              <a:t>20.07.12</a:t>
+              <a:t>20.07.2012</a:t>
             </a:fld>
             <a:endParaRPr lang="de-DE"/>
           </a:p>
@@ -4760,7 +4760,7 @@
   <p:timing>
     <p:tnLst>
       <p:par>
-        <p:cTn xmlns:p14="http://schemas.microsoft.com/office/powerpoint/2010/main" id="1" dur="indefinite" restart="never" nodeType="tmRoot"/>
+        <p:cTn id="1" dur="indefinite" restart="never" nodeType="tmRoot"/>
       </p:par>
     </p:tnLst>
   </p:timing>
@@ -4824,7 +4824,7 @@
           <a:p>
             <a:fld id="{048220EE-0B5D-1D4F-A698-CD85F79D8F31}" type="datetime1">
               <a:rPr lang="de-CH" smtClean="0"/>
-              <a:t>19.07.12</a:t>
+              <a:t>20.07.2012</a:t>
             </a:fld>
             <a:endParaRPr lang="de-DE"/>
           </a:p>
@@ -5111,7 +5111,7 @@
   <p:timing>
     <p:tnLst>
       <p:par>
-        <p:cTn xmlns:p14="http://schemas.microsoft.com/office/powerpoint/2010/main" id="1" dur="indefinite" restart="never" nodeType="tmRoot"/>
+        <p:cTn id="1" dur="indefinite" restart="never" nodeType="tmRoot"/>
       </p:par>
     </p:tnLst>
   </p:timing>
@@ -5179,7 +5179,7 @@
           <a:p>
             <a:fld id="{048220EE-0B5D-1D4F-A698-CD85F79D8F31}" type="datetime1">
               <a:rPr lang="de-CH" smtClean="0"/>
-              <a:t>19.07.12</a:t>
+              <a:t>20.07.2012</a:t>
             </a:fld>
             <a:endParaRPr lang="de-DE"/>
           </a:p>
@@ -5321,7 +5321,7 @@
   <p:timing>
     <p:tnLst>
       <p:par>
-        <p:cTn xmlns:p14="http://schemas.microsoft.com/office/powerpoint/2010/main" id="1" dur="indefinite" restart="never" nodeType="tmRoot"/>
+        <p:cTn id="1" dur="indefinite" restart="never" nodeType="tmRoot"/>
       </p:par>
     </p:tnLst>
   </p:timing>
@@ -5408,7 +5408,7 @@
           <a:p>
             <a:fld id="{048220EE-0B5D-1D4F-A698-CD85F79D8F31}" type="datetime1">
               <a:rPr lang="de-CH" smtClean="0"/>
-              <a:t>19.07.12</a:t>
+              <a:t>20.07.2012</a:t>
             </a:fld>
             <a:endParaRPr lang="de-DE"/>
           </a:p>
@@ -5503,7 +5503,7 @@
   <p:timing>
     <p:tnLst>
       <p:par>
-        <p:cTn xmlns:p14="http://schemas.microsoft.com/office/powerpoint/2010/main" id="1" dur="indefinite" restart="never" nodeType="tmRoot"/>
+        <p:cTn id="1" dur="indefinite" restart="never" nodeType="tmRoot"/>
       </p:par>
     </p:tnLst>
   </p:timing>
@@ -5610,7 +5610,102 @@
                   <a:srgbClr val="008000"/>
                 </a:solidFill>
               </a:rPr>
-              <a:t>Positioning</a:t>
+              <a:t>Automatical</a:t>
+            </a:r>
+            <a:endParaRPr lang="de-DE" dirty="0" smtClean="0">
+              <a:solidFill>
+                <a:srgbClr val="008000"/>
+              </a:solidFill>
+            </a:endParaRPr>
+          </a:p>
+          <a:p>
+            <a:r>
+              <a:rPr lang="de-DE" dirty="0" smtClean="0">
+                <a:solidFill>
+                  <a:srgbClr val="008000"/>
+                </a:solidFill>
+              </a:rPr>
+              <a:t>Small </a:t>
+            </a:r>
+            <a:r>
+              <a:rPr lang="de-DE" dirty="0" err="1" smtClean="0">
+                <a:solidFill>
+                  <a:srgbClr val="008000"/>
+                </a:solidFill>
+              </a:rPr>
+              <a:t>effort</a:t>
+            </a:r>
+            <a:r>
+              <a:rPr lang="de-DE" dirty="0" smtClean="0">
+                <a:solidFill>
+                  <a:srgbClr val="008000"/>
+                </a:solidFill>
+              </a:rPr>
+              <a:t> </a:t>
+            </a:r>
+            <a:r>
+              <a:rPr lang="de-DE" dirty="0" err="1" smtClean="0">
+                <a:solidFill>
+                  <a:srgbClr val="008000"/>
+                </a:solidFill>
+              </a:rPr>
+              <a:t>to</a:t>
+            </a:r>
+            <a:r>
+              <a:rPr lang="de-DE" dirty="0" smtClean="0">
+                <a:solidFill>
+                  <a:srgbClr val="008000"/>
+                </a:solidFill>
+              </a:rPr>
+              <a:t> </a:t>
+            </a:r>
+            <a:r>
+              <a:rPr lang="de-DE" dirty="0" err="1" smtClean="0">
+                <a:solidFill>
+                  <a:srgbClr val="008000"/>
+                </a:solidFill>
+              </a:rPr>
+              <a:t>scan</a:t>
+            </a:r>
+            <a:r>
+              <a:rPr lang="de-DE" dirty="0" smtClean="0">
+                <a:solidFill>
+                  <a:srgbClr val="008000"/>
+                </a:solidFill>
+              </a:rPr>
+              <a:t> </a:t>
+            </a:r>
+            <a:r>
+              <a:rPr lang="de-DE" dirty="0" err="1" smtClean="0">
+                <a:solidFill>
+                  <a:srgbClr val="008000"/>
+                </a:solidFill>
+              </a:rPr>
+              <a:t>endless</a:t>
+            </a:r>
+            <a:r>
+              <a:rPr lang="de-DE" dirty="0" smtClean="0">
+                <a:solidFill>
+                  <a:srgbClr val="008000"/>
+                </a:solidFill>
+              </a:rPr>
+              <a:t> </a:t>
+            </a:r>
+            <a:r>
+              <a:rPr lang="de-DE" dirty="0" err="1" smtClean="0">
+                <a:solidFill>
+                  <a:srgbClr val="008000"/>
+                </a:solidFill>
+              </a:rPr>
+              <a:t>rolls</a:t>
+            </a:r>
+            <a:r>
+              <a:rPr lang="de-DE" dirty="0" smtClean="0">
+                <a:solidFill>
+                  <a:srgbClr val="008000"/>
+                </a:solidFill>
+              </a:rPr>
+              <a:t> </a:t>
             </a:r>
             <a:endParaRPr lang="de-DE" dirty="0" smtClean="0">
               <a:solidFill>
@@ -5635,6 +5730,53 @@
               </a:rPr>
               <a:t>scanner</a:t>
             </a:r>
+            <a:endParaRPr lang="de-DE" dirty="0" smtClean="0">
+              <a:solidFill>
+                <a:srgbClr val="953735"/>
+              </a:solidFill>
+            </a:endParaRPr>
+          </a:p>
+          <a:p>
+            <a:r>
+              <a:rPr lang="de-DE" dirty="0" err="1" smtClean="0">
+                <a:solidFill>
+                  <a:srgbClr val="953735"/>
+                </a:solidFill>
+              </a:rPr>
+              <a:t>Exactly</a:t>
+            </a:r>
+            <a:r>
+              <a:rPr lang="de-DE" dirty="0" smtClean="0">
+                <a:solidFill>
+                  <a:srgbClr val="953735"/>
+                </a:solidFill>
+              </a:rPr>
+              <a:t> </a:t>
+            </a:r>
+            <a:r>
+              <a:rPr lang="de-DE" dirty="0" err="1" smtClean="0">
+                <a:solidFill>
+                  <a:srgbClr val="953735"/>
+                </a:solidFill>
+              </a:rPr>
+              <a:t>produced</a:t>
+            </a:r>
+            <a:r>
+              <a:rPr lang="de-DE" dirty="0" smtClean="0">
+                <a:solidFill>
+                  <a:srgbClr val="953735"/>
+                </a:solidFill>
+              </a:rPr>
+              <a:t> </a:t>
+            </a:r>
+            <a:r>
+              <a:rPr lang="de-DE" dirty="0" err="1" smtClean="0">
+                <a:solidFill>
+                  <a:srgbClr val="953735"/>
+                </a:solidFill>
+              </a:rPr>
+              <a:t>hardware</a:t>
+            </a:r>
             <a:endParaRPr lang="de-DE" dirty="0">
               <a:solidFill>
                 <a:srgbClr val="953735"/>
@@ -5660,7 +5802,7 @@
           <a:p>
             <a:fld id="{048220EE-0B5D-1D4F-A698-CD85F79D8F31}" type="datetime1">
               <a:rPr lang="de-CH" smtClean="0"/>
-              <a:t>20.07.12</a:t>
+              <a:t>20.07.2012</a:t>
             </a:fld>
             <a:endParaRPr lang="de-DE"/>
           </a:p>
@@ -5725,7 +5867,7 @@
   <p:timing>
     <p:tnLst>
       <p:par>
-        <p:cTn xmlns:p14="http://schemas.microsoft.com/office/powerpoint/2010/main" id="1" dur="indefinite" restart="never" nodeType="tmRoot"/>
+        <p:cTn id="1" dur="indefinite" restart="never" nodeType="tmRoot"/>
       </p:par>
     </p:tnLst>
   </p:timing>
@@ -5793,14 +5935,7 @@
           <a:p>
             <a:r>
               <a:rPr lang="de-DE" dirty="0" err="1" smtClean="0"/>
-              <a:t>Smaller</a:t>
-            </a:r>
-            <a:endParaRPr lang="de-DE" dirty="0" smtClean="0"/>
-          </a:p>
-          <a:p>
-            <a:r>
-              <a:rPr lang="de-DE" dirty="0" err="1" smtClean="0"/>
-              <a:t>Better</a:t>
+              <a:t>Tighter</a:t>
             </a:r>
             <a:r>
               <a:rPr lang="de-DE" dirty="0" smtClean="0"/>
@@ -5808,7 +5943,7 @@
             </a:r>
             <a:r>
               <a:rPr lang="de-DE" dirty="0" err="1" smtClean="0"/>
-              <a:t>speed</a:t>
+              <a:t>arranged</a:t>
             </a:r>
             <a:r>
               <a:rPr lang="de-DE" dirty="0" smtClean="0"/>
@@ -5816,7 +5951,26 @@
             </a:r>
             <a:r>
               <a:rPr lang="de-DE" dirty="0" err="1" smtClean="0"/>
-              <a:t>recognition</a:t>
+              <a:t>construction</a:t>
+            </a:r>
+            <a:endParaRPr lang="de-DE" dirty="0" smtClean="0"/>
+          </a:p>
+          <a:p>
+            <a:r>
+              <a:rPr lang="de-DE" dirty="0" smtClean="0"/>
+              <a:t>Additional </a:t>
+            </a:r>
+            <a:r>
+              <a:rPr lang="de-DE" dirty="0" err="1" smtClean="0"/>
+              <a:t>speed</a:t>
+            </a:r>
+            <a:r>
+              <a:rPr lang="de-DE" dirty="0" smtClean="0"/>
+              <a:t> </a:t>
+            </a:r>
+            <a:r>
+              <a:rPr lang="de-DE" dirty="0" err="1" smtClean="0"/>
+              <a:t>surveillance</a:t>
             </a:r>
             <a:endParaRPr lang="de-DE" dirty="0" smtClean="0"/>
           </a:p>
@@ -5832,6 +5986,34 @@
             <a:endParaRPr lang="de-DE" dirty="0" smtClean="0"/>
           </a:p>
           <a:p>
+            <a:r>
+              <a:rPr lang="de-DE" dirty="0" err="1" smtClean="0"/>
+              <a:t>Construction</a:t>
+            </a:r>
+            <a:r>
+              <a:rPr lang="de-DE" dirty="0" smtClean="0"/>
+              <a:t> </a:t>
+            </a:r>
+            <a:r>
+              <a:rPr lang="de-DE" dirty="0" err="1" smtClean="0"/>
+              <a:t>for</a:t>
+            </a:r>
+            <a:r>
+              <a:rPr lang="de-DE" dirty="0" smtClean="0"/>
+              <a:t> </a:t>
+            </a:r>
+            <a:r>
+              <a:rPr lang="de-DE" dirty="0" err="1" smtClean="0"/>
+              <a:t>endless</a:t>
+            </a:r>
+            <a:r>
+              <a:rPr lang="de-DE" dirty="0" smtClean="0"/>
+              <a:t> </a:t>
+            </a:r>
+            <a:r>
+              <a:rPr lang="de-DE" dirty="0" err="1" smtClean="0"/>
+              <a:t>rolls</a:t>
+            </a:r>
             <a:endParaRPr lang="de-DE" dirty="0" smtClean="0"/>
           </a:p>
           <a:p>
@@ -5856,7 +6038,7 @@
           <a:p>
             <a:fld id="{048220EE-0B5D-1D4F-A698-CD85F79D8F31}" type="datetime1">
               <a:rPr lang="de-CH" smtClean="0"/>
-              <a:t>19.07.12</a:t>
+              <a:t>20.07.2012</a:t>
             </a:fld>
             <a:endParaRPr lang="de-DE"/>
           </a:p>
@@ -5921,7 +6103,7 @@
   <p:timing>
     <p:tnLst>
       <p:par>
-        <p:cTn xmlns:p14="http://schemas.microsoft.com/office/powerpoint/2010/main" id="1" dur="indefinite" restart="never" nodeType="tmRoot"/>
+        <p:cTn id="1" dur="indefinite" restart="never" nodeType="tmRoot"/>
       </p:par>
     </p:tnLst>
   </p:timing>
@@ -6075,7 +6257,7 @@
           <a:p>
             <a:fld id="{048220EE-0B5D-1D4F-A698-CD85F79D8F31}" type="datetime1">
               <a:rPr lang="de-CH" smtClean="0"/>
-              <a:t>19.07.12</a:t>
+              <a:t>20.07.2012</a:t>
             </a:fld>
             <a:endParaRPr lang="de-DE"/>
           </a:p>
@@ -6140,7 +6322,7 @@
   <p:timing>
     <p:tnLst>
       <p:par>
-        <p:cTn xmlns:p14="http://schemas.microsoft.com/office/powerpoint/2010/main" id="1" dur="indefinite" restart="never" nodeType="tmRoot"/>
+        <p:cTn id="1" dur="indefinite" restart="never" nodeType="tmRoot"/>
       </p:par>
     </p:tnLst>
   </p:timing>
@@ -6251,7 +6433,7 @@
           <a:p>
             <a:fld id="{048220EE-0B5D-1D4F-A698-CD85F79D8F31}" type="datetime1">
               <a:rPr lang="de-CH" smtClean="0"/>
-              <a:t>19.07.12</a:t>
+              <a:t>20.07.2012</a:t>
             </a:fld>
             <a:endParaRPr lang="de-DE"/>
           </a:p>
@@ -6316,7 +6498,7 @@
   <p:timing>
     <p:tnLst>
       <p:par>
-        <p:cTn xmlns:p14="http://schemas.microsoft.com/office/powerpoint/2010/main" id="1" dur="indefinite" restart="never" nodeType="tmRoot"/>
+        <p:cTn id="1" dur="indefinite" restart="never" nodeType="tmRoot"/>
       </p:par>
     </p:tnLst>
   </p:timing>
@@ -6406,7 +6588,7 @@
           <a:p>
             <a:fld id="{048220EE-0B5D-1D4F-A698-CD85F79D8F31}" type="datetime1">
               <a:rPr lang="de-CH" smtClean="0"/>
-              <a:t>19.07.12</a:t>
+              <a:t>20.07.2012</a:t>
             </a:fld>
             <a:endParaRPr lang="de-DE"/>
           </a:p>
@@ -6501,7 +6683,7 @@
   <p:timing>
     <p:tnLst>
       <p:par>
-        <p:cTn xmlns:p14="http://schemas.microsoft.com/office/powerpoint/2010/main" id="1" dur="indefinite" restart="never" nodeType="tmRoot"/>
+        <p:cTn id="1" dur="indefinite" restart="never" nodeType="tmRoot"/>
       </p:par>
     </p:tnLst>
   </p:timing>
@@ -6569,7 +6751,7 @@
           <a:p>
             <a:fld id="{048220EE-0B5D-1D4F-A698-CD85F79D8F31}" type="datetime1">
               <a:rPr lang="de-CH" smtClean="0"/>
-              <a:t>19.07.12</a:t>
+              <a:t>20.07.2012</a:t>
             </a:fld>
             <a:endParaRPr lang="de-DE"/>
           </a:p>
@@ -6659,7 +6841,7 @@
   <p:timing>
     <p:tnLst>
       <p:par>
-        <p:cTn xmlns:p14="http://schemas.microsoft.com/office/powerpoint/2010/main" id="1" dur="indefinite" restart="never" nodeType="tmRoot"/>
+        <p:cTn id="1" dur="indefinite" restart="never" nodeType="tmRoot"/>
       </p:par>
     </p:tnLst>
   </p:timing>
@@ -6727,7 +6909,7 @@
           <a:p>
             <a:fld id="{048220EE-0B5D-1D4F-A698-CD85F79D8F31}" type="datetime1">
               <a:rPr lang="de-CH" smtClean="0"/>
-              <a:t>20.07.12</a:t>
+              <a:t>20.07.2012</a:t>
             </a:fld>
             <a:endParaRPr lang="de-DE"/>
           </a:p>
@@ -6822,7 +7004,7 @@
   <p:timing>
     <p:tnLst>
       <p:par>
-        <p:cTn xmlns:p14="http://schemas.microsoft.com/office/powerpoint/2010/main" id="1" dur="indefinite" restart="never" nodeType="tmRoot"/>
+        <p:cTn id="1" dur="indefinite" restart="never" nodeType="tmRoot"/>
       </p:par>
     </p:tnLst>
   </p:timing>
@@ -6892,7 +7074,7 @@
           <a:p>
             <a:fld id="{048220EE-0B5D-1D4F-A698-CD85F79D8F31}" type="datetime1">
               <a:rPr lang="de-CH" smtClean="0"/>
-              <a:t>19.07.12</a:t>
+              <a:t>20.07.2012</a:t>
             </a:fld>
             <a:endParaRPr lang="de-DE"/>
           </a:p>
@@ -7017,7 +7199,7 @@
   <p:timing>
     <p:tnLst>
       <p:par>
-        <p:cTn xmlns:p14="http://schemas.microsoft.com/office/powerpoint/2010/main" id="1" dur="indefinite" restart="never" nodeType="tmRoot"/>
+        <p:cTn id="1" dur="indefinite" restart="never" nodeType="tmRoot"/>
       </p:par>
     </p:tnLst>
   </p:timing>
@@ -7085,7 +7267,7 @@
           <a:p>
             <a:fld id="{048220EE-0B5D-1D4F-A698-CD85F79D8F31}" type="datetime1">
               <a:rPr lang="de-CH" smtClean="0"/>
-              <a:t>20.07.12</a:t>
+              <a:t>20.07.2012</a:t>
             </a:fld>
             <a:endParaRPr lang="de-DE"/>
           </a:p>
@@ -7175,7 +7357,7 @@
   <p:timing>
     <p:tnLst>
       <p:par>
-        <p:cTn xmlns:p14="http://schemas.microsoft.com/office/powerpoint/2010/main" id="1" dur="indefinite" restart="never" nodeType="tmRoot"/>
+        <p:cTn id="1" dur="indefinite" restart="never" nodeType="tmRoot"/>
       </p:par>
     </p:tnLst>
   </p:timing>
@@ -7243,7 +7425,7 @@
           <a:p>
             <a:fld id="{048220EE-0B5D-1D4F-A698-CD85F79D8F31}" type="datetime1">
               <a:rPr lang="de-CH" smtClean="0"/>
-              <a:t>19.07.12</a:t>
+              <a:t>20.07.2012</a:t>
             </a:fld>
             <a:endParaRPr lang="de-DE"/>
           </a:p>
@@ -7338,7 +7520,7 @@
   <p:timing>
     <p:tnLst>
       <p:par>
-        <p:cTn xmlns:p14="http://schemas.microsoft.com/office/powerpoint/2010/main" id="1" dur="indefinite" restart="never" nodeType="tmRoot"/>
+        <p:cTn id="1" dur="indefinite" restart="never" nodeType="tmRoot"/>
       </p:par>
     </p:tnLst>
   </p:timing>
@@ -7406,7 +7588,7 @@
           <a:p>
             <a:fld id="{048220EE-0B5D-1D4F-A698-CD85F79D8F31}" type="datetime1">
               <a:rPr lang="de-CH" smtClean="0"/>
-              <a:t>20.07.12</a:t>
+              <a:t>20.07.2012</a:t>
             </a:fld>
             <a:endParaRPr lang="de-DE"/>
           </a:p>
@@ -7496,7 +7678,7 @@
   <p:timing>
     <p:tnLst>
       <p:par>
-        <p:cTn xmlns:p14="http://schemas.microsoft.com/office/powerpoint/2010/main" id="1" dur="indefinite" restart="never" nodeType="tmRoot"/>
+        <p:cTn id="1" dur="indefinite" restart="never" nodeType="tmRoot"/>
       </p:par>
     </p:tnLst>
   </p:timing>
